--- a/Other Files/Use Case Diagram.pptx
+++ b/Other Files/Use Case Diagram.pptx
@@ -5,7 +5,7 @@
     <p:sldMasterId id="2147483660" r:id="rId1"/>
   </p:sldMasterIdLst>
   <p:sldIdLst>
-    <p:sldId id="256" r:id="rId2"/>
+    <p:sldId id="257" r:id="rId2"/>
   </p:sldIdLst>
   <p:sldSz cx="8229600" cy="10058400"/>
   <p:notesSz cx="6858000" cy="9144000"/>
@@ -104,6 +104,11 @@
       </a:defRPr>
     </a:lvl9pPr>
   </p:defaultTextStyle>
+  <p:extLst>
+    <p:ext uri="{EFAFB233-063F-42B5-8137-9DF3F51BA10A}">
+      <p15:sldGuideLst xmlns:p15="http://schemas.microsoft.com/office/powerpoint/2012/main"/>
+    </p:ext>
+  </p:extLst>
 </p:presentation>
 </file>
 
@@ -238,7 +243,7 @@
           <a:p>
             <a:fld id="{4B85BF32-8D7A-42F3-B089-F11B22684220}" type="datetimeFigureOut">
               <a:rPr lang="en-US" smtClean="0"/>
-              <a:t>5/21/2024</a:t>
+              <a:t>11/20/2024</a:t>
             </a:fld>
             <a:endParaRPr lang="en-US"/>
           </a:p>
@@ -408,7 +413,7 @@
           <a:p>
             <a:fld id="{4B85BF32-8D7A-42F3-B089-F11B22684220}" type="datetimeFigureOut">
               <a:rPr lang="en-US" smtClean="0"/>
-              <a:t>5/21/2024</a:t>
+              <a:t>11/20/2024</a:t>
             </a:fld>
             <a:endParaRPr lang="en-US"/>
           </a:p>
@@ -588,7 +593,7 @@
           <a:p>
             <a:fld id="{4B85BF32-8D7A-42F3-B089-F11B22684220}" type="datetimeFigureOut">
               <a:rPr lang="en-US" smtClean="0"/>
-              <a:t>5/21/2024</a:t>
+              <a:t>11/20/2024</a:t>
             </a:fld>
             <a:endParaRPr lang="en-US"/>
           </a:p>
@@ -758,7 +763,7 @@
           <a:p>
             <a:fld id="{4B85BF32-8D7A-42F3-B089-F11B22684220}" type="datetimeFigureOut">
               <a:rPr lang="en-US" smtClean="0"/>
-              <a:t>5/21/2024</a:t>
+              <a:t>11/20/2024</a:t>
             </a:fld>
             <a:endParaRPr lang="en-US"/>
           </a:p>
@@ -1002,7 +1007,7 @@
           <a:p>
             <a:fld id="{4B85BF32-8D7A-42F3-B089-F11B22684220}" type="datetimeFigureOut">
               <a:rPr lang="en-US" smtClean="0"/>
-              <a:t>5/21/2024</a:t>
+              <a:t>11/20/2024</a:t>
             </a:fld>
             <a:endParaRPr lang="en-US"/>
           </a:p>
@@ -1234,7 +1239,7 @@
           <a:p>
             <a:fld id="{4B85BF32-8D7A-42F3-B089-F11B22684220}" type="datetimeFigureOut">
               <a:rPr lang="en-US" smtClean="0"/>
-              <a:t>5/21/2024</a:t>
+              <a:t>11/20/2024</a:t>
             </a:fld>
             <a:endParaRPr lang="en-US"/>
           </a:p>
@@ -1601,7 +1606,7 @@
           <a:p>
             <a:fld id="{4B85BF32-8D7A-42F3-B089-F11B22684220}" type="datetimeFigureOut">
               <a:rPr lang="en-US" smtClean="0"/>
-              <a:t>5/21/2024</a:t>
+              <a:t>11/20/2024</a:t>
             </a:fld>
             <a:endParaRPr lang="en-US"/>
           </a:p>
@@ -1719,7 +1724,7 @@
           <a:p>
             <a:fld id="{4B85BF32-8D7A-42F3-B089-F11B22684220}" type="datetimeFigureOut">
               <a:rPr lang="en-US" smtClean="0"/>
-              <a:t>5/21/2024</a:t>
+              <a:t>11/20/2024</a:t>
             </a:fld>
             <a:endParaRPr lang="en-US"/>
           </a:p>
@@ -1814,7 +1819,7 @@
           <a:p>
             <a:fld id="{4B85BF32-8D7A-42F3-B089-F11B22684220}" type="datetimeFigureOut">
               <a:rPr lang="en-US" smtClean="0"/>
-              <a:t>5/21/2024</a:t>
+              <a:t>11/20/2024</a:t>
             </a:fld>
             <a:endParaRPr lang="en-US"/>
           </a:p>
@@ -2091,7 +2096,7 @@
           <a:p>
             <a:fld id="{4B85BF32-8D7A-42F3-B089-F11B22684220}" type="datetimeFigureOut">
               <a:rPr lang="en-US" smtClean="0"/>
-              <a:t>5/21/2024</a:t>
+              <a:t>11/20/2024</a:t>
             </a:fld>
             <a:endParaRPr lang="en-US"/>
           </a:p>
@@ -2348,7 +2353,7 @@
           <a:p>
             <a:fld id="{4B85BF32-8D7A-42F3-B089-F11B22684220}" type="datetimeFigureOut">
               <a:rPr lang="en-US" smtClean="0"/>
-              <a:t>5/21/2024</a:t>
+              <a:t>11/20/2024</a:t>
             </a:fld>
             <a:endParaRPr lang="en-US"/>
           </a:p>
@@ -2561,7 +2566,7 @@
           <a:p>
             <a:fld id="{4B85BF32-8D7A-42F3-B089-F11B22684220}" type="datetimeFigureOut">
               <a:rPr lang="en-US" smtClean="0"/>
-              <a:t>5/21/2024</a:t>
+              <a:t>11/20/2024</a:t>
             </a:fld>
             <a:endParaRPr lang="en-US"/>
           </a:p>
@@ -2968,10 +2973,10 @@
       </p:grpSpPr>
       <p:pic>
         <p:nvPicPr>
-          <p:cNvPr id="4" name="Picture 3">
+          <p:cNvPr id="5" name="Picture 4">
             <a:extLst>
               <a:ext uri="{FF2B5EF4-FFF2-40B4-BE49-F238E27FC236}">
-                <a16:creationId xmlns:a16="http://schemas.microsoft.com/office/drawing/2014/main" id="{F6BD853B-5168-A5EE-BE5E-135C57A11399}"/>
+                <a16:creationId xmlns:a16="http://schemas.microsoft.com/office/drawing/2014/main" id="{191E6435-E452-6362-0FED-E11ABABB16A2}"/>
               </a:ext>
             </a:extLst>
           </p:cNvPr>
@@ -2980,7 +2985,7 @@
           </p:cNvPicPr>
           <p:nvPr/>
         </p:nvPicPr>
-        <p:blipFill rotWithShape="1">
+        <p:blipFill>
           <a:blip r:embed="rId2">
             <a:extLst>
               <a:ext uri="{28A0092B-C50C-407E-A947-70E740481C1C}">
@@ -2988,13 +2993,1056 @@
               </a:ext>
             </a:extLst>
           </a:blip>
-          <a:srcRect l="5644" r="2117"/>
+          <a:srcRect l="5282" r="5282"/>
           <a:stretch/>
         </p:blipFill>
-        <p:spPr bwMode="auto">
+        <p:spPr>
           <a:xfrm>
-            <a:off x="0" y="0"/>
-            <a:ext cx="8230320" cy="5966085"/>
+            <a:off x="-71120" y="390761"/>
+            <a:ext cx="8229600" cy="8026191"/>
+          </a:xfrm>
+          <a:prstGeom prst="rect">
+            <a:avLst/>
+          </a:prstGeom>
+        </p:spPr>
+      </p:pic>
+      <p:cxnSp>
+        <p:nvCxnSpPr>
+          <p:cNvPr id="7" name="Straight Connector 6">
+            <a:extLst>
+              <a:ext uri="{FF2B5EF4-FFF2-40B4-BE49-F238E27FC236}">
+                <a16:creationId xmlns:a16="http://schemas.microsoft.com/office/drawing/2014/main" id="{2EC0507D-01BB-C35D-FE1A-B99C9462C611}"/>
+              </a:ext>
+            </a:extLst>
+          </p:cNvPr>
+          <p:cNvCxnSpPr/>
+          <p:nvPr/>
+        </p:nvCxnSpPr>
+        <p:spPr>
+          <a:xfrm flipV="1">
+            <a:off x="371856" y="2987040"/>
+            <a:ext cx="1530096" cy="1542288"/>
+          </a:xfrm>
+          <a:prstGeom prst="line">
+            <a:avLst/>
+          </a:prstGeom>
+        </p:spPr>
+        <p:style>
+          <a:lnRef idx="1">
+            <a:schemeClr val="dk1"/>
+          </a:lnRef>
+          <a:fillRef idx="0">
+            <a:schemeClr val="dk1"/>
+          </a:fillRef>
+          <a:effectRef idx="0">
+            <a:schemeClr val="dk1"/>
+          </a:effectRef>
+          <a:fontRef idx="minor">
+            <a:schemeClr val="tx1"/>
+          </a:fontRef>
+        </p:style>
+      </p:cxnSp>
+      <p:cxnSp>
+        <p:nvCxnSpPr>
+          <p:cNvPr id="9" name="Straight Connector 8">
+            <a:extLst>
+              <a:ext uri="{FF2B5EF4-FFF2-40B4-BE49-F238E27FC236}">
+                <a16:creationId xmlns:a16="http://schemas.microsoft.com/office/drawing/2014/main" id="{43C4FEED-5AA9-F301-BC55-B1E00388F85F}"/>
+              </a:ext>
+            </a:extLst>
+          </p:cNvPr>
+          <p:cNvCxnSpPr/>
+          <p:nvPr/>
+        </p:nvCxnSpPr>
+        <p:spPr>
+          <a:xfrm flipV="1">
+            <a:off x="359664" y="3419856"/>
+            <a:ext cx="1548384" cy="1103376"/>
+          </a:xfrm>
+          <a:prstGeom prst="line">
+            <a:avLst/>
+          </a:prstGeom>
+        </p:spPr>
+        <p:style>
+          <a:lnRef idx="1">
+            <a:schemeClr val="dk1"/>
+          </a:lnRef>
+          <a:fillRef idx="0">
+            <a:schemeClr val="dk1"/>
+          </a:fillRef>
+          <a:effectRef idx="0">
+            <a:schemeClr val="dk1"/>
+          </a:effectRef>
+          <a:fontRef idx="minor">
+            <a:schemeClr val="tx1"/>
+          </a:fontRef>
+        </p:style>
+      </p:cxnSp>
+      <p:cxnSp>
+        <p:nvCxnSpPr>
+          <p:cNvPr id="11" name="Straight Connector 10">
+            <a:extLst>
+              <a:ext uri="{FF2B5EF4-FFF2-40B4-BE49-F238E27FC236}">
+                <a16:creationId xmlns:a16="http://schemas.microsoft.com/office/drawing/2014/main" id="{FECF2C64-AC9F-1BDC-730D-5640327E8E66}"/>
+              </a:ext>
+            </a:extLst>
+          </p:cNvPr>
+          <p:cNvCxnSpPr/>
+          <p:nvPr/>
+        </p:nvCxnSpPr>
+        <p:spPr>
+          <a:xfrm flipV="1">
+            <a:off x="371856" y="3850640"/>
+            <a:ext cx="1530096" cy="672592"/>
+          </a:xfrm>
+          <a:prstGeom prst="line">
+            <a:avLst/>
+          </a:prstGeom>
+        </p:spPr>
+        <p:style>
+          <a:lnRef idx="1">
+            <a:schemeClr val="dk1"/>
+          </a:lnRef>
+          <a:fillRef idx="0">
+            <a:schemeClr val="dk1"/>
+          </a:fillRef>
+          <a:effectRef idx="0">
+            <a:schemeClr val="dk1"/>
+          </a:effectRef>
+          <a:fontRef idx="minor">
+            <a:schemeClr val="tx1"/>
+          </a:fontRef>
+        </p:style>
+      </p:cxnSp>
+      <p:cxnSp>
+        <p:nvCxnSpPr>
+          <p:cNvPr id="13" name="Straight Connector 12">
+            <a:extLst>
+              <a:ext uri="{FF2B5EF4-FFF2-40B4-BE49-F238E27FC236}">
+                <a16:creationId xmlns:a16="http://schemas.microsoft.com/office/drawing/2014/main" id="{6D5A100D-C78B-505F-23AB-A5B64FD9A567}"/>
+              </a:ext>
+            </a:extLst>
+          </p:cNvPr>
+          <p:cNvCxnSpPr/>
+          <p:nvPr/>
+        </p:nvCxnSpPr>
+        <p:spPr>
+          <a:xfrm flipV="1">
+            <a:off x="371856" y="4272280"/>
+            <a:ext cx="1548384" cy="250952"/>
+          </a:xfrm>
+          <a:prstGeom prst="line">
+            <a:avLst/>
+          </a:prstGeom>
+        </p:spPr>
+        <p:style>
+          <a:lnRef idx="1">
+            <a:schemeClr val="dk1"/>
+          </a:lnRef>
+          <a:fillRef idx="0">
+            <a:schemeClr val="dk1"/>
+          </a:fillRef>
+          <a:effectRef idx="0">
+            <a:schemeClr val="dk1"/>
+          </a:effectRef>
+          <a:fontRef idx="minor">
+            <a:schemeClr val="tx1"/>
+          </a:fontRef>
+        </p:style>
+      </p:cxnSp>
+      <p:cxnSp>
+        <p:nvCxnSpPr>
+          <p:cNvPr id="15" name="Straight Connector 14">
+            <a:extLst>
+              <a:ext uri="{FF2B5EF4-FFF2-40B4-BE49-F238E27FC236}">
+                <a16:creationId xmlns:a16="http://schemas.microsoft.com/office/drawing/2014/main" id="{AE601D1B-F2C9-5122-69A7-F88916A7F77D}"/>
+              </a:ext>
+            </a:extLst>
+          </p:cNvPr>
+          <p:cNvCxnSpPr/>
+          <p:nvPr/>
+        </p:nvCxnSpPr>
+        <p:spPr>
+          <a:xfrm>
+            <a:off x="381000" y="4523232"/>
+            <a:ext cx="1520952" cy="170688"/>
+          </a:xfrm>
+          <a:prstGeom prst="line">
+            <a:avLst/>
+          </a:prstGeom>
+        </p:spPr>
+        <p:style>
+          <a:lnRef idx="1">
+            <a:schemeClr val="dk1"/>
+          </a:lnRef>
+          <a:fillRef idx="0">
+            <a:schemeClr val="dk1"/>
+          </a:fillRef>
+          <a:effectRef idx="0">
+            <a:schemeClr val="dk1"/>
+          </a:effectRef>
+          <a:fontRef idx="minor">
+            <a:schemeClr val="tx1"/>
+          </a:fontRef>
+        </p:style>
+      </p:cxnSp>
+      <p:cxnSp>
+        <p:nvCxnSpPr>
+          <p:cNvPr id="17" name="Straight Connector 16">
+            <a:extLst>
+              <a:ext uri="{FF2B5EF4-FFF2-40B4-BE49-F238E27FC236}">
+                <a16:creationId xmlns:a16="http://schemas.microsoft.com/office/drawing/2014/main" id="{7137D59A-AB4C-CC43-F07D-BEB1C70E5D3C}"/>
+              </a:ext>
+            </a:extLst>
+          </p:cNvPr>
+          <p:cNvCxnSpPr/>
+          <p:nvPr/>
+        </p:nvCxnSpPr>
+        <p:spPr>
+          <a:xfrm>
+            <a:off x="365760" y="4523232"/>
+            <a:ext cx="1536192" cy="582168"/>
+          </a:xfrm>
+          <a:prstGeom prst="line">
+            <a:avLst/>
+          </a:prstGeom>
+        </p:spPr>
+        <p:style>
+          <a:lnRef idx="1">
+            <a:schemeClr val="dk1"/>
+          </a:lnRef>
+          <a:fillRef idx="0">
+            <a:schemeClr val="dk1"/>
+          </a:fillRef>
+          <a:effectRef idx="0">
+            <a:schemeClr val="dk1"/>
+          </a:effectRef>
+          <a:fontRef idx="minor">
+            <a:schemeClr val="tx1"/>
+          </a:fontRef>
+        </p:style>
+      </p:cxnSp>
+      <p:cxnSp>
+        <p:nvCxnSpPr>
+          <p:cNvPr id="19" name="Straight Connector 18">
+            <a:extLst>
+              <a:ext uri="{FF2B5EF4-FFF2-40B4-BE49-F238E27FC236}">
+                <a16:creationId xmlns:a16="http://schemas.microsoft.com/office/drawing/2014/main" id="{9E41ED36-EF54-F562-41E3-1FE7B171EF4B}"/>
+              </a:ext>
+            </a:extLst>
+          </p:cNvPr>
+          <p:cNvCxnSpPr/>
+          <p:nvPr/>
+        </p:nvCxnSpPr>
+        <p:spPr>
+          <a:xfrm>
+            <a:off x="359664" y="4523232"/>
+            <a:ext cx="1536192" cy="1011937"/>
+          </a:xfrm>
+          <a:prstGeom prst="line">
+            <a:avLst/>
+          </a:prstGeom>
+        </p:spPr>
+        <p:style>
+          <a:lnRef idx="1">
+            <a:schemeClr val="dk1"/>
+          </a:lnRef>
+          <a:fillRef idx="0">
+            <a:schemeClr val="dk1"/>
+          </a:fillRef>
+          <a:effectRef idx="0">
+            <a:schemeClr val="dk1"/>
+          </a:effectRef>
+          <a:fontRef idx="minor">
+            <a:schemeClr val="tx1"/>
+          </a:fontRef>
+        </p:style>
+      </p:cxnSp>
+      <p:cxnSp>
+        <p:nvCxnSpPr>
+          <p:cNvPr id="21" name="Straight Connector 20">
+            <a:extLst>
+              <a:ext uri="{FF2B5EF4-FFF2-40B4-BE49-F238E27FC236}">
+                <a16:creationId xmlns:a16="http://schemas.microsoft.com/office/drawing/2014/main" id="{2C0D0FEC-2065-6F43-14F5-80A400493462}"/>
+              </a:ext>
+            </a:extLst>
+          </p:cNvPr>
+          <p:cNvCxnSpPr/>
+          <p:nvPr/>
+        </p:nvCxnSpPr>
+        <p:spPr>
+          <a:xfrm>
+            <a:off x="365760" y="4523232"/>
+            <a:ext cx="1542288" cy="1445768"/>
+          </a:xfrm>
+          <a:prstGeom prst="line">
+            <a:avLst/>
+          </a:prstGeom>
+        </p:spPr>
+        <p:style>
+          <a:lnRef idx="1">
+            <a:schemeClr val="dk1"/>
+          </a:lnRef>
+          <a:fillRef idx="0">
+            <a:schemeClr val="dk1"/>
+          </a:fillRef>
+          <a:effectRef idx="0">
+            <a:schemeClr val="dk1"/>
+          </a:effectRef>
+          <a:fontRef idx="minor">
+            <a:schemeClr val="tx1"/>
+          </a:fontRef>
+        </p:style>
+      </p:cxnSp>
+      <p:cxnSp>
+        <p:nvCxnSpPr>
+          <p:cNvPr id="23" name="Straight Connector 22">
+            <a:extLst>
+              <a:ext uri="{FF2B5EF4-FFF2-40B4-BE49-F238E27FC236}">
+                <a16:creationId xmlns:a16="http://schemas.microsoft.com/office/drawing/2014/main" id="{FA0D1118-DFEF-1781-C672-A2F675CF146C}"/>
+              </a:ext>
+            </a:extLst>
+          </p:cNvPr>
+          <p:cNvCxnSpPr/>
+          <p:nvPr/>
+        </p:nvCxnSpPr>
+        <p:spPr>
+          <a:xfrm>
+            <a:off x="359664" y="4523232"/>
+            <a:ext cx="1548384" cy="1872488"/>
+          </a:xfrm>
+          <a:prstGeom prst="line">
+            <a:avLst/>
+          </a:prstGeom>
+        </p:spPr>
+        <p:style>
+          <a:lnRef idx="1">
+            <a:schemeClr val="dk1"/>
+          </a:lnRef>
+          <a:fillRef idx="0">
+            <a:schemeClr val="dk1"/>
+          </a:fillRef>
+          <a:effectRef idx="0">
+            <a:schemeClr val="dk1"/>
+          </a:effectRef>
+          <a:fontRef idx="minor">
+            <a:schemeClr val="tx1"/>
+          </a:fontRef>
+        </p:style>
+      </p:cxnSp>
+      <p:cxnSp>
+        <p:nvCxnSpPr>
+          <p:cNvPr id="25" name="Straight Connector 24">
+            <a:extLst>
+              <a:ext uri="{FF2B5EF4-FFF2-40B4-BE49-F238E27FC236}">
+                <a16:creationId xmlns:a16="http://schemas.microsoft.com/office/drawing/2014/main" id="{DFFDBCAC-FA4F-B541-BCC7-68240507EB4B}"/>
+              </a:ext>
+            </a:extLst>
+          </p:cNvPr>
+          <p:cNvCxnSpPr/>
+          <p:nvPr/>
+        </p:nvCxnSpPr>
+        <p:spPr>
+          <a:xfrm>
+            <a:off x="6441440" y="1457960"/>
+            <a:ext cx="1264920" cy="1234440"/>
+          </a:xfrm>
+          <a:prstGeom prst="line">
+            <a:avLst/>
+          </a:prstGeom>
+        </p:spPr>
+        <p:style>
+          <a:lnRef idx="1">
+            <a:schemeClr val="dk1"/>
+          </a:lnRef>
+          <a:fillRef idx="0">
+            <a:schemeClr val="dk1"/>
+          </a:fillRef>
+          <a:effectRef idx="0">
+            <a:schemeClr val="dk1"/>
+          </a:effectRef>
+          <a:fontRef idx="minor">
+            <a:schemeClr val="tx1"/>
+          </a:fontRef>
+        </p:style>
+      </p:cxnSp>
+      <p:cxnSp>
+        <p:nvCxnSpPr>
+          <p:cNvPr id="27" name="Straight Connector 26">
+            <a:extLst>
+              <a:ext uri="{FF2B5EF4-FFF2-40B4-BE49-F238E27FC236}">
+                <a16:creationId xmlns:a16="http://schemas.microsoft.com/office/drawing/2014/main" id="{AAFF663D-A851-7B0D-A8CF-9078619BCEC4}"/>
+              </a:ext>
+            </a:extLst>
+          </p:cNvPr>
+          <p:cNvCxnSpPr/>
+          <p:nvPr/>
+        </p:nvCxnSpPr>
+        <p:spPr>
+          <a:xfrm>
+            <a:off x="6446520" y="1884680"/>
+            <a:ext cx="1270000" cy="812800"/>
+          </a:xfrm>
+          <a:prstGeom prst="line">
+            <a:avLst/>
+          </a:prstGeom>
+        </p:spPr>
+        <p:style>
+          <a:lnRef idx="1">
+            <a:schemeClr val="dk1"/>
+          </a:lnRef>
+          <a:fillRef idx="0">
+            <a:schemeClr val="dk1"/>
+          </a:fillRef>
+          <a:effectRef idx="0">
+            <a:schemeClr val="dk1"/>
+          </a:effectRef>
+          <a:fontRef idx="minor">
+            <a:schemeClr val="tx1"/>
+          </a:fontRef>
+        </p:style>
+      </p:cxnSp>
+      <p:cxnSp>
+        <p:nvCxnSpPr>
+          <p:cNvPr id="29" name="Straight Connector 28">
+            <a:extLst>
+              <a:ext uri="{FF2B5EF4-FFF2-40B4-BE49-F238E27FC236}">
+                <a16:creationId xmlns:a16="http://schemas.microsoft.com/office/drawing/2014/main" id="{3BA6DEF2-5D24-9E88-12BE-EA3DAE84603C}"/>
+              </a:ext>
+            </a:extLst>
+          </p:cNvPr>
+          <p:cNvCxnSpPr/>
+          <p:nvPr/>
+        </p:nvCxnSpPr>
+        <p:spPr>
+          <a:xfrm>
+            <a:off x="6441440" y="2306320"/>
+            <a:ext cx="1264920" cy="386080"/>
+          </a:xfrm>
+          <a:prstGeom prst="line">
+            <a:avLst/>
+          </a:prstGeom>
+        </p:spPr>
+        <p:style>
+          <a:lnRef idx="1">
+            <a:schemeClr val="dk1"/>
+          </a:lnRef>
+          <a:fillRef idx="0">
+            <a:schemeClr val="dk1"/>
+          </a:fillRef>
+          <a:effectRef idx="0">
+            <a:schemeClr val="dk1"/>
+          </a:effectRef>
+          <a:fontRef idx="minor">
+            <a:schemeClr val="tx1"/>
+          </a:fontRef>
+        </p:style>
+      </p:cxnSp>
+      <p:cxnSp>
+        <p:nvCxnSpPr>
+          <p:cNvPr id="31" name="Straight Connector 30">
+            <a:extLst>
+              <a:ext uri="{FF2B5EF4-FFF2-40B4-BE49-F238E27FC236}">
+                <a16:creationId xmlns:a16="http://schemas.microsoft.com/office/drawing/2014/main" id="{A8E0796F-F95D-931A-C344-3F1A3581F33E}"/>
+              </a:ext>
+            </a:extLst>
+          </p:cNvPr>
+          <p:cNvCxnSpPr/>
+          <p:nvPr/>
+        </p:nvCxnSpPr>
+        <p:spPr>
+          <a:xfrm flipV="1">
+            <a:off x="6441440" y="2692400"/>
+            <a:ext cx="1264920" cy="50800"/>
+          </a:xfrm>
+          <a:prstGeom prst="line">
+            <a:avLst/>
+          </a:prstGeom>
+        </p:spPr>
+        <p:style>
+          <a:lnRef idx="1">
+            <a:schemeClr val="dk1"/>
+          </a:lnRef>
+          <a:fillRef idx="0">
+            <a:schemeClr val="dk1"/>
+          </a:fillRef>
+          <a:effectRef idx="0">
+            <a:schemeClr val="dk1"/>
+          </a:effectRef>
+          <a:fontRef idx="minor">
+            <a:schemeClr val="tx1"/>
+          </a:fontRef>
+        </p:style>
+      </p:cxnSp>
+      <p:cxnSp>
+        <p:nvCxnSpPr>
+          <p:cNvPr id="33" name="Straight Connector 32">
+            <a:extLst>
+              <a:ext uri="{FF2B5EF4-FFF2-40B4-BE49-F238E27FC236}">
+                <a16:creationId xmlns:a16="http://schemas.microsoft.com/office/drawing/2014/main" id="{0590E74D-0BA1-B9FE-D5C8-B48370786BEC}"/>
+              </a:ext>
+            </a:extLst>
+          </p:cNvPr>
+          <p:cNvCxnSpPr/>
+          <p:nvPr/>
+        </p:nvCxnSpPr>
+        <p:spPr>
+          <a:xfrm flipV="1">
+            <a:off x="6441440" y="2692400"/>
+            <a:ext cx="1264920" cy="452120"/>
+          </a:xfrm>
+          <a:prstGeom prst="line">
+            <a:avLst/>
+          </a:prstGeom>
+        </p:spPr>
+        <p:style>
+          <a:lnRef idx="1">
+            <a:schemeClr val="dk1"/>
+          </a:lnRef>
+          <a:fillRef idx="0">
+            <a:schemeClr val="dk1"/>
+          </a:fillRef>
+          <a:effectRef idx="0">
+            <a:schemeClr val="dk1"/>
+          </a:effectRef>
+          <a:fontRef idx="minor">
+            <a:schemeClr val="tx1"/>
+          </a:fontRef>
+        </p:style>
+      </p:cxnSp>
+      <p:cxnSp>
+        <p:nvCxnSpPr>
+          <p:cNvPr id="35" name="Straight Connector 34">
+            <a:extLst>
+              <a:ext uri="{FF2B5EF4-FFF2-40B4-BE49-F238E27FC236}">
+                <a16:creationId xmlns:a16="http://schemas.microsoft.com/office/drawing/2014/main" id="{02FA7DD0-0C8C-4879-AB1A-69CA6B3F58B5}"/>
+              </a:ext>
+            </a:extLst>
+          </p:cNvPr>
+          <p:cNvCxnSpPr/>
+          <p:nvPr/>
+        </p:nvCxnSpPr>
+        <p:spPr>
+          <a:xfrm flipV="1">
+            <a:off x="6441440" y="2692400"/>
+            <a:ext cx="1264920" cy="878840"/>
+          </a:xfrm>
+          <a:prstGeom prst="line">
+            <a:avLst/>
+          </a:prstGeom>
+        </p:spPr>
+        <p:style>
+          <a:lnRef idx="1">
+            <a:schemeClr val="dk1"/>
+          </a:lnRef>
+          <a:fillRef idx="0">
+            <a:schemeClr val="dk1"/>
+          </a:fillRef>
+          <a:effectRef idx="0">
+            <a:schemeClr val="dk1"/>
+          </a:effectRef>
+          <a:fontRef idx="minor">
+            <a:schemeClr val="tx1"/>
+          </a:fontRef>
+        </p:style>
+      </p:cxnSp>
+      <p:cxnSp>
+        <p:nvCxnSpPr>
+          <p:cNvPr id="37" name="Straight Connector 36">
+            <a:extLst>
+              <a:ext uri="{FF2B5EF4-FFF2-40B4-BE49-F238E27FC236}">
+                <a16:creationId xmlns:a16="http://schemas.microsoft.com/office/drawing/2014/main" id="{006DB132-4E98-F489-67B4-3331AB71C854}"/>
+              </a:ext>
+            </a:extLst>
+          </p:cNvPr>
+          <p:cNvCxnSpPr/>
+          <p:nvPr/>
+        </p:nvCxnSpPr>
+        <p:spPr>
+          <a:xfrm flipV="1">
+            <a:off x="6441440" y="2692400"/>
+            <a:ext cx="1270000" cy="1310640"/>
+          </a:xfrm>
+          <a:prstGeom prst="line">
+            <a:avLst/>
+          </a:prstGeom>
+        </p:spPr>
+        <p:style>
+          <a:lnRef idx="1">
+            <a:schemeClr val="dk1"/>
+          </a:lnRef>
+          <a:fillRef idx="0">
+            <a:schemeClr val="dk1"/>
+          </a:fillRef>
+          <a:effectRef idx="0">
+            <a:schemeClr val="dk1"/>
+          </a:effectRef>
+          <a:fontRef idx="minor">
+            <a:schemeClr val="tx1"/>
+          </a:fontRef>
+        </p:style>
+      </p:cxnSp>
+      <p:cxnSp>
+        <p:nvCxnSpPr>
+          <p:cNvPr id="39" name="Straight Connector 38">
+            <a:extLst>
+              <a:ext uri="{FF2B5EF4-FFF2-40B4-BE49-F238E27FC236}">
+                <a16:creationId xmlns:a16="http://schemas.microsoft.com/office/drawing/2014/main" id="{59BBD069-7ABB-A7BA-7901-CE7F749C076D}"/>
+              </a:ext>
+            </a:extLst>
+          </p:cNvPr>
+          <p:cNvCxnSpPr/>
+          <p:nvPr/>
+        </p:nvCxnSpPr>
+        <p:spPr>
+          <a:xfrm>
+            <a:off x="6441440" y="4445000"/>
+            <a:ext cx="1264920" cy="502920"/>
+          </a:xfrm>
+          <a:prstGeom prst="line">
+            <a:avLst/>
+          </a:prstGeom>
+        </p:spPr>
+        <p:style>
+          <a:lnRef idx="1">
+            <a:schemeClr val="dk1"/>
+          </a:lnRef>
+          <a:fillRef idx="0">
+            <a:schemeClr val="dk1"/>
+          </a:fillRef>
+          <a:effectRef idx="0">
+            <a:schemeClr val="dk1"/>
+          </a:effectRef>
+          <a:fontRef idx="minor">
+            <a:schemeClr val="tx1"/>
+          </a:fontRef>
+        </p:style>
+      </p:cxnSp>
+      <p:cxnSp>
+        <p:nvCxnSpPr>
+          <p:cNvPr id="41" name="Straight Connector 40">
+            <a:extLst>
+              <a:ext uri="{FF2B5EF4-FFF2-40B4-BE49-F238E27FC236}">
+                <a16:creationId xmlns:a16="http://schemas.microsoft.com/office/drawing/2014/main" id="{79AFC140-4771-0DD2-366E-3807F4D9A05A}"/>
+              </a:ext>
+            </a:extLst>
+          </p:cNvPr>
+          <p:cNvCxnSpPr/>
+          <p:nvPr/>
+        </p:nvCxnSpPr>
+        <p:spPr>
+          <a:xfrm>
+            <a:off x="6441440" y="4876800"/>
+            <a:ext cx="1275080" cy="76200"/>
+          </a:xfrm>
+          <a:prstGeom prst="line">
+            <a:avLst/>
+          </a:prstGeom>
+        </p:spPr>
+        <p:style>
+          <a:lnRef idx="1">
+            <a:schemeClr val="dk1"/>
+          </a:lnRef>
+          <a:fillRef idx="0">
+            <a:schemeClr val="dk1"/>
+          </a:fillRef>
+          <a:effectRef idx="0">
+            <a:schemeClr val="dk1"/>
+          </a:effectRef>
+          <a:fontRef idx="minor">
+            <a:schemeClr val="tx1"/>
+          </a:fontRef>
+        </p:style>
+      </p:cxnSp>
+      <p:cxnSp>
+        <p:nvCxnSpPr>
+          <p:cNvPr id="43" name="Straight Connector 42">
+            <a:extLst>
+              <a:ext uri="{FF2B5EF4-FFF2-40B4-BE49-F238E27FC236}">
+                <a16:creationId xmlns:a16="http://schemas.microsoft.com/office/drawing/2014/main" id="{AEEF55C7-6784-9927-C880-F9B90C7EDCE8}"/>
+              </a:ext>
+            </a:extLst>
+          </p:cNvPr>
+          <p:cNvCxnSpPr/>
+          <p:nvPr/>
+        </p:nvCxnSpPr>
+        <p:spPr>
+          <a:xfrm flipV="1">
+            <a:off x="6441440" y="4947920"/>
+            <a:ext cx="1264920" cy="345440"/>
+          </a:xfrm>
+          <a:prstGeom prst="line">
+            <a:avLst/>
+          </a:prstGeom>
+        </p:spPr>
+        <p:style>
+          <a:lnRef idx="1">
+            <a:schemeClr val="dk1"/>
+          </a:lnRef>
+          <a:fillRef idx="0">
+            <a:schemeClr val="dk1"/>
+          </a:fillRef>
+          <a:effectRef idx="0">
+            <a:schemeClr val="dk1"/>
+          </a:effectRef>
+          <a:fontRef idx="minor">
+            <a:schemeClr val="tx1"/>
+          </a:fontRef>
+        </p:style>
+      </p:cxnSp>
+      <p:cxnSp>
+        <p:nvCxnSpPr>
+          <p:cNvPr id="45" name="Straight Connector 44">
+            <a:extLst>
+              <a:ext uri="{FF2B5EF4-FFF2-40B4-BE49-F238E27FC236}">
+                <a16:creationId xmlns:a16="http://schemas.microsoft.com/office/drawing/2014/main" id="{F08A19E2-C9A6-710E-3579-FB6B0D0C7886}"/>
+              </a:ext>
+            </a:extLst>
+          </p:cNvPr>
+          <p:cNvCxnSpPr/>
+          <p:nvPr/>
+        </p:nvCxnSpPr>
+        <p:spPr>
+          <a:xfrm flipV="1">
+            <a:off x="6441440" y="4947920"/>
+            <a:ext cx="1264920" cy="767080"/>
+          </a:xfrm>
+          <a:prstGeom prst="line">
+            <a:avLst/>
+          </a:prstGeom>
+        </p:spPr>
+        <p:style>
+          <a:lnRef idx="1">
+            <a:schemeClr val="dk1"/>
+          </a:lnRef>
+          <a:fillRef idx="0">
+            <a:schemeClr val="dk1"/>
+          </a:fillRef>
+          <a:effectRef idx="0">
+            <a:schemeClr val="dk1"/>
+          </a:effectRef>
+          <a:fontRef idx="minor">
+            <a:schemeClr val="tx1"/>
+          </a:fontRef>
+        </p:style>
+      </p:cxnSp>
+      <p:cxnSp>
+        <p:nvCxnSpPr>
+          <p:cNvPr id="47" name="Straight Connector 46">
+            <a:extLst>
+              <a:ext uri="{FF2B5EF4-FFF2-40B4-BE49-F238E27FC236}">
+                <a16:creationId xmlns:a16="http://schemas.microsoft.com/office/drawing/2014/main" id="{11324A03-B70E-A977-D518-DE57CAD32786}"/>
+              </a:ext>
+            </a:extLst>
+          </p:cNvPr>
+          <p:cNvCxnSpPr/>
+          <p:nvPr/>
+        </p:nvCxnSpPr>
+        <p:spPr>
+          <a:xfrm>
+            <a:off x="6441440" y="6197600"/>
+            <a:ext cx="1270000" cy="904240"/>
+          </a:xfrm>
+          <a:prstGeom prst="line">
+            <a:avLst/>
+          </a:prstGeom>
+        </p:spPr>
+        <p:style>
+          <a:lnRef idx="1">
+            <a:schemeClr val="dk1"/>
+          </a:lnRef>
+          <a:fillRef idx="0">
+            <a:schemeClr val="dk1"/>
+          </a:fillRef>
+          <a:effectRef idx="0">
+            <a:schemeClr val="dk1"/>
+          </a:effectRef>
+          <a:fontRef idx="minor">
+            <a:schemeClr val="tx1"/>
+          </a:fontRef>
+        </p:style>
+      </p:cxnSp>
+      <p:cxnSp>
+        <p:nvCxnSpPr>
+          <p:cNvPr id="49" name="Straight Connector 48">
+            <a:extLst>
+              <a:ext uri="{FF2B5EF4-FFF2-40B4-BE49-F238E27FC236}">
+                <a16:creationId xmlns:a16="http://schemas.microsoft.com/office/drawing/2014/main" id="{E9C390E3-CED6-4617-4E13-390C5767DF66}"/>
+              </a:ext>
+            </a:extLst>
+          </p:cNvPr>
+          <p:cNvCxnSpPr/>
+          <p:nvPr/>
+        </p:nvCxnSpPr>
+        <p:spPr>
+          <a:xfrm>
+            <a:off x="6441440" y="6619240"/>
+            <a:ext cx="1275080" cy="477520"/>
+          </a:xfrm>
+          <a:prstGeom prst="line">
+            <a:avLst/>
+          </a:prstGeom>
+        </p:spPr>
+        <p:style>
+          <a:lnRef idx="1">
+            <a:schemeClr val="dk1"/>
+          </a:lnRef>
+          <a:fillRef idx="0">
+            <a:schemeClr val="dk1"/>
+          </a:fillRef>
+          <a:effectRef idx="0">
+            <a:schemeClr val="dk1"/>
+          </a:effectRef>
+          <a:fontRef idx="minor">
+            <a:schemeClr val="tx1"/>
+          </a:fontRef>
+        </p:style>
+      </p:cxnSp>
+      <p:cxnSp>
+        <p:nvCxnSpPr>
+          <p:cNvPr id="51" name="Straight Connector 50">
+            <a:extLst>
+              <a:ext uri="{FF2B5EF4-FFF2-40B4-BE49-F238E27FC236}">
+                <a16:creationId xmlns:a16="http://schemas.microsoft.com/office/drawing/2014/main" id="{87EE5C02-B795-B85D-C12E-A46FA853C15B}"/>
+              </a:ext>
+            </a:extLst>
+          </p:cNvPr>
+          <p:cNvCxnSpPr/>
+          <p:nvPr/>
+        </p:nvCxnSpPr>
+        <p:spPr>
+          <a:xfrm>
+            <a:off x="6441440" y="7040880"/>
+            <a:ext cx="1275080" cy="60960"/>
+          </a:xfrm>
+          <a:prstGeom prst="line">
+            <a:avLst/>
+          </a:prstGeom>
+        </p:spPr>
+        <p:style>
+          <a:lnRef idx="1">
+            <a:schemeClr val="dk1"/>
+          </a:lnRef>
+          <a:fillRef idx="0">
+            <a:schemeClr val="dk1"/>
+          </a:fillRef>
+          <a:effectRef idx="0">
+            <a:schemeClr val="dk1"/>
+          </a:effectRef>
+          <a:fontRef idx="minor">
+            <a:schemeClr val="tx1"/>
+          </a:fontRef>
+        </p:style>
+      </p:cxnSp>
+      <p:cxnSp>
+        <p:nvCxnSpPr>
+          <p:cNvPr id="53" name="Straight Connector 52">
+            <a:extLst>
+              <a:ext uri="{FF2B5EF4-FFF2-40B4-BE49-F238E27FC236}">
+                <a16:creationId xmlns:a16="http://schemas.microsoft.com/office/drawing/2014/main" id="{4B98309B-6A4C-F962-4A04-7DBE7B862E07}"/>
+              </a:ext>
+            </a:extLst>
+          </p:cNvPr>
+          <p:cNvCxnSpPr/>
+          <p:nvPr/>
+        </p:nvCxnSpPr>
+        <p:spPr>
+          <a:xfrm flipV="1">
+            <a:off x="6441440" y="7096760"/>
+            <a:ext cx="1275080" cy="381000"/>
+          </a:xfrm>
+          <a:prstGeom prst="line">
+            <a:avLst/>
+          </a:prstGeom>
+        </p:spPr>
+        <p:style>
+          <a:lnRef idx="1">
+            <a:schemeClr val="dk1"/>
+          </a:lnRef>
+          <a:fillRef idx="0">
+            <a:schemeClr val="dk1"/>
+          </a:fillRef>
+          <a:effectRef idx="0">
+            <a:schemeClr val="dk1"/>
+          </a:effectRef>
+          <a:fontRef idx="minor">
+            <a:schemeClr val="tx1"/>
+          </a:fontRef>
+        </p:style>
+      </p:cxnSp>
+      <p:cxnSp>
+        <p:nvCxnSpPr>
+          <p:cNvPr id="55" name="Straight Connector 54">
+            <a:extLst>
+              <a:ext uri="{FF2B5EF4-FFF2-40B4-BE49-F238E27FC236}">
+                <a16:creationId xmlns:a16="http://schemas.microsoft.com/office/drawing/2014/main" id="{DF8306F1-1E1E-0122-F036-A0CFDA9C85BF}"/>
+              </a:ext>
+            </a:extLst>
+          </p:cNvPr>
+          <p:cNvCxnSpPr/>
+          <p:nvPr/>
+        </p:nvCxnSpPr>
+        <p:spPr>
+          <a:xfrm flipV="1">
+            <a:off x="6441440" y="7096760"/>
+            <a:ext cx="1264920" cy="802640"/>
+          </a:xfrm>
+          <a:prstGeom prst="line">
+            <a:avLst/>
+          </a:prstGeom>
+        </p:spPr>
+        <p:style>
+          <a:lnRef idx="1">
+            <a:schemeClr val="dk1"/>
+          </a:lnRef>
+          <a:fillRef idx="0">
+            <a:schemeClr val="dk1"/>
+          </a:fillRef>
+          <a:effectRef idx="0">
+            <a:schemeClr val="dk1"/>
+          </a:effectRef>
+          <a:fontRef idx="minor">
+            <a:schemeClr val="tx1"/>
+          </a:fontRef>
+        </p:style>
+      </p:cxnSp>
+      <p:cxnSp>
+        <p:nvCxnSpPr>
+          <p:cNvPr id="57" name="Straight Connector 56">
+            <a:extLst>
+              <a:ext uri="{FF2B5EF4-FFF2-40B4-BE49-F238E27FC236}">
+                <a16:creationId xmlns:a16="http://schemas.microsoft.com/office/drawing/2014/main" id="{6BBB7FFE-8AA4-0ECC-1995-BFE01AD05BBB}"/>
+              </a:ext>
+            </a:extLst>
+          </p:cNvPr>
+          <p:cNvCxnSpPr/>
+          <p:nvPr/>
+        </p:nvCxnSpPr>
+        <p:spPr>
+          <a:xfrm>
+            <a:off x="2921000" y="6395720"/>
+            <a:ext cx="2519680" cy="645160"/>
+          </a:xfrm>
+          <a:prstGeom prst="line">
+            <a:avLst/>
+          </a:prstGeom>
+          <a:ln>
+            <a:prstDash val="lgDash"/>
+          </a:ln>
+        </p:spPr>
+        <p:style>
+          <a:lnRef idx="1">
+            <a:schemeClr val="dk1"/>
+          </a:lnRef>
+          <a:fillRef idx="0">
+            <a:schemeClr val="dk1"/>
+          </a:fillRef>
+          <a:effectRef idx="0">
+            <a:schemeClr val="dk1"/>
+          </a:effectRef>
+          <a:fontRef idx="minor">
+            <a:schemeClr val="tx1"/>
+          </a:fontRef>
+        </p:style>
+      </p:cxnSp>
+      <p:cxnSp>
+        <p:nvCxnSpPr>
+          <p:cNvPr id="58" name="Straight Connector 57">
+            <a:extLst>
+              <a:ext uri="{FF2B5EF4-FFF2-40B4-BE49-F238E27FC236}">
+                <a16:creationId xmlns:a16="http://schemas.microsoft.com/office/drawing/2014/main" id="{3B6386D5-8C48-89BE-5CD1-40799075F962}"/>
+              </a:ext>
+            </a:extLst>
+          </p:cNvPr>
+          <p:cNvCxnSpPr>
+            <a:cxnSpLocks/>
+          </p:cNvCxnSpPr>
+          <p:nvPr/>
+        </p:nvCxnSpPr>
+        <p:spPr>
+          <a:xfrm flipV="1">
+            <a:off x="2921000" y="3571240"/>
+            <a:ext cx="2519680" cy="701040"/>
+          </a:xfrm>
+          <a:prstGeom prst="line">
+            <a:avLst/>
+          </a:prstGeom>
+          <a:ln>
+            <a:prstDash val="lgDash"/>
+          </a:ln>
+        </p:spPr>
+        <p:style>
+          <a:lnRef idx="1">
+            <a:schemeClr val="dk1"/>
+          </a:lnRef>
+          <a:fillRef idx="0">
+            <a:schemeClr val="dk1"/>
+          </a:fillRef>
+          <a:effectRef idx="0">
+            <a:schemeClr val="dk1"/>
+          </a:effectRef>
+          <a:fontRef idx="minor">
+            <a:schemeClr val="tx1"/>
+          </a:fontRef>
+        </p:style>
+      </p:cxnSp>
+      <p:cxnSp>
+        <p:nvCxnSpPr>
+          <p:cNvPr id="62" name="Straight Connector 61">
+            <a:extLst>
+              <a:ext uri="{FF2B5EF4-FFF2-40B4-BE49-F238E27FC236}">
+                <a16:creationId xmlns:a16="http://schemas.microsoft.com/office/drawing/2014/main" id="{023DFA02-636E-4B16-82B1-4FA6799C9A57}"/>
+              </a:ext>
+            </a:extLst>
+          </p:cNvPr>
+          <p:cNvCxnSpPr>
+            <a:cxnSpLocks/>
+          </p:cNvCxnSpPr>
+          <p:nvPr/>
+        </p:nvCxnSpPr>
+        <p:spPr>
+          <a:xfrm>
+            <a:off x="2921000" y="4272280"/>
+            <a:ext cx="2519680" cy="1442720"/>
+          </a:xfrm>
+          <a:prstGeom prst="line">
+            <a:avLst/>
+          </a:prstGeom>
+          <a:ln>
+            <a:prstDash val="lgDash"/>
+          </a:ln>
+        </p:spPr>
+        <p:style>
+          <a:lnRef idx="1">
+            <a:schemeClr val="dk1"/>
+          </a:lnRef>
+          <a:fillRef idx="0">
+            <a:schemeClr val="dk1"/>
+          </a:fillRef>
+          <a:effectRef idx="0">
+            <a:schemeClr val="dk1"/>
+          </a:effectRef>
+          <a:fontRef idx="minor">
+            <a:schemeClr val="tx1"/>
+          </a:fontRef>
+        </p:style>
+      </p:cxnSp>
+      <p:sp>
+        <p:nvSpPr>
+          <p:cNvPr id="67" name="Rectangle 66">
+            <a:extLst>
+              <a:ext uri="{FF2B5EF4-FFF2-40B4-BE49-F238E27FC236}">
+                <a16:creationId xmlns:a16="http://schemas.microsoft.com/office/drawing/2014/main" id="{DC08E012-2547-35D6-2534-D770059D7E56}"/>
+              </a:ext>
+            </a:extLst>
+          </p:cNvPr>
+          <p:cNvSpPr/>
+          <p:nvPr/>
+        </p:nvSpPr>
+        <p:spPr>
+          <a:xfrm rot="881322">
+            <a:off x="3628396" y="6460918"/>
+            <a:ext cx="932688" cy="283464"/>
           </a:xfrm>
           <a:prstGeom prst="rect">
             <a:avLst/>
@@ -3002,81 +4050,6 @@
           <a:noFill/>
           <a:ln>
             <a:noFill/>
-          </a:ln>
-        </p:spPr>
-      </p:pic>
-      <p:sp>
-        <p:nvSpPr>
-          <p:cNvPr id="5" name="Rectangle 4">
-            <a:extLst>
-              <a:ext uri="{FF2B5EF4-FFF2-40B4-BE49-F238E27FC236}">
-                <a16:creationId xmlns:a16="http://schemas.microsoft.com/office/drawing/2014/main" id="{CCFC3864-54CE-86AA-7424-2B2DAD7A6C34}"/>
-              </a:ext>
-            </a:extLst>
-          </p:cNvPr>
-          <p:cNvSpPr/>
-          <p:nvPr/>
-        </p:nvSpPr>
-        <p:spPr>
-          <a:xfrm>
-            <a:off x="1034416" y="5683170"/>
-            <a:ext cx="6176009" cy="1687863"/>
-          </a:xfrm>
-          <a:prstGeom prst="rect">
-            <a:avLst/>
-          </a:prstGeom>
-          <a:ln w="9525"/>
-        </p:spPr>
-        <p:style>
-          <a:lnRef idx="2">
-            <a:schemeClr val="dk1"/>
-          </a:lnRef>
-          <a:fillRef idx="1">
-            <a:schemeClr val="lt1"/>
-          </a:fillRef>
-          <a:effectRef idx="0">
-            <a:schemeClr val="dk1"/>
-          </a:effectRef>
-          <a:fontRef idx="minor">
-            <a:schemeClr val="dk1"/>
-          </a:fontRef>
-        </p:style>
-        <p:txBody>
-          <a:bodyPr rtlCol="0" anchor="ctr"/>
-          <a:lstStyle/>
-          <a:p>
-            <a:pPr algn="ctr"/>
-            <a:endParaRPr lang="en-US"/>
-          </a:p>
-        </p:txBody>
-      </p:sp>
-      <p:sp>
-        <p:nvSpPr>
-          <p:cNvPr id="6" name="Rectangle 5">
-            <a:extLst>
-              <a:ext uri="{FF2B5EF4-FFF2-40B4-BE49-F238E27FC236}">
-                <a16:creationId xmlns:a16="http://schemas.microsoft.com/office/drawing/2014/main" id="{435DA964-3EF8-55E3-12FB-00279B20FE04}"/>
-              </a:ext>
-            </a:extLst>
-          </p:cNvPr>
-          <p:cNvSpPr/>
-          <p:nvPr/>
-        </p:nvSpPr>
-        <p:spPr>
-          <a:xfrm>
-            <a:off x="1056962" y="5569585"/>
-            <a:ext cx="6138223" cy="325120"/>
-          </a:xfrm>
-          <a:prstGeom prst="rect">
-            <a:avLst/>
-          </a:prstGeom>
-          <a:solidFill>
-            <a:schemeClr val="bg1"/>
-          </a:solidFill>
-          <a:ln>
-            <a:solidFill>
-              <a:schemeClr val="bg1"/>
-            </a:solidFill>
           </a:ln>
         </p:spPr>
         <p:style>
@@ -3100,46 +4073,23 @@
           <a:lstStyle/>
           <a:p>
             <a:pPr algn="ctr"/>
-            <a:endParaRPr lang="en-US"/>
-          </a:p>
-        </p:txBody>
-      </p:sp>
-      <p:pic>
-        <p:nvPicPr>
-          <p:cNvPr id="8" name="Picture 7">
+            <a:r>
+              <a:rPr lang="en-US" sz="900" dirty="0">
+                <a:solidFill>
+                  <a:schemeClr val="tx1"/>
+                </a:solidFill>
+              </a:rPr>
+              <a:t>&lt;&lt; extend &gt;&gt;</a:t>
+            </a:r>
+          </a:p>
+        </p:txBody>
+      </p:sp>
+      <p:sp>
+        <p:nvSpPr>
+          <p:cNvPr id="68" name="Rectangle 67">
             <a:extLst>
               <a:ext uri="{FF2B5EF4-FFF2-40B4-BE49-F238E27FC236}">
-                <a16:creationId xmlns:a16="http://schemas.microsoft.com/office/drawing/2014/main" id="{9D38523E-C728-EEC3-E0B5-DF15538C482D}"/>
-              </a:ext>
-            </a:extLst>
-          </p:cNvPr>
-          <p:cNvPicPr>
-            <a:picLocks noChangeAspect="1"/>
-          </p:cNvPicPr>
-          <p:nvPr/>
-        </p:nvPicPr>
-        <p:blipFill>
-          <a:blip r:embed="rId3"/>
-          <a:stretch>
-            <a:fillRect/>
-          </a:stretch>
-        </p:blipFill>
-        <p:spPr>
-          <a:xfrm>
-            <a:off x="201890" y="5259542"/>
-            <a:ext cx="482748" cy="1062045"/>
-          </a:xfrm>
-          <a:prstGeom prst="rect">
-            <a:avLst/>
-          </a:prstGeom>
-        </p:spPr>
-      </p:pic>
-      <p:sp>
-        <p:nvSpPr>
-          <p:cNvPr id="9" name="Oval 8">
-            <a:extLst>
-              <a:ext uri="{FF2B5EF4-FFF2-40B4-BE49-F238E27FC236}">
-                <a16:creationId xmlns:a16="http://schemas.microsoft.com/office/drawing/2014/main" id="{2AD2102D-52DB-268A-60C6-4C59AE9F5016}"/>
+                <a16:creationId xmlns:a16="http://schemas.microsoft.com/office/drawing/2014/main" id="{A75F548F-FFB9-8452-D8E1-BF1DC2DE2396}"/>
               </a:ext>
             </a:extLst>
           </p:cNvPr>
@@ -3147,320 +4097,11 @@
           <p:nvPr/>
         </p:nvSpPr>
         <p:spPr>
-          <a:xfrm>
-            <a:off x="1485415" y="4978078"/>
-            <a:ext cx="1098868" cy="422241"/>
-          </a:xfrm>
-          <a:prstGeom prst="ellipse">
-            <a:avLst/>
-          </a:prstGeom>
-          <a:ln w="9525"/>
-        </p:spPr>
-        <p:style>
-          <a:lnRef idx="2">
-            <a:schemeClr val="dk1"/>
-          </a:lnRef>
-          <a:fillRef idx="1">
-            <a:schemeClr val="lt1"/>
-          </a:fillRef>
-          <a:effectRef idx="0">
-            <a:schemeClr val="dk1"/>
-          </a:effectRef>
-          <a:fontRef idx="minor">
-            <a:schemeClr val="dk1"/>
-          </a:fontRef>
-        </p:style>
-        <p:txBody>
-          <a:bodyPr rtlCol="0" anchor="ctr"/>
-          <a:lstStyle/>
-          <a:p>
-            <a:pPr algn="ctr"/>
-            <a:r>
-              <a:rPr lang="en-US" sz="1050" dirty="0">
-                <a:latin typeface="Courier New" panose="02070309020205020404" pitchFamily="49" charset="0"/>
-                <a:cs typeface="Courier New" panose="02070309020205020404" pitchFamily="49" charset="0"/>
-              </a:rPr>
-              <a:t>Browse</a:t>
-            </a:r>
-          </a:p>
-        </p:txBody>
-      </p:sp>
-      <p:sp>
-        <p:nvSpPr>
-          <p:cNvPr id="10" name="Oval 9">
-            <a:extLst>
-              <a:ext uri="{FF2B5EF4-FFF2-40B4-BE49-F238E27FC236}">
-                <a16:creationId xmlns:a16="http://schemas.microsoft.com/office/drawing/2014/main" id="{1064B842-9F55-EEE1-F989-9A29A169C5AA}"/>
-              </a:ext>
-            </a:extLst>
-          </p:cNvPr>
-          <p:cNvSpPr/>
-          <p:nvPr/>
-        </p:nvSpPr>
-        <p:spPr>
-          <a:xfrm>
-            <a:off x="1460538" y="5469161"/>
-            <a:ext cx="1213803" cy="590408"/>
-          </a:xfrm>
-          <a:prstGeom prst="ellipse">
-            <a:avLst/>
-          </a:prstGeom>
-          <a:ln w="9525"/>
-        </p:spPr>
-        <p:style>
-          <a:lnRef idx="2">
-            <a:schemeClr val="dk1"/>
-          </a:lnRef>
-          <a:fillRef idx="1">
-            <a:schemeClr val="lt1"/>
-          </a:fillRef>
-          <a:effectRef idx="0">
-            <a:schemeClr val="dk1"/>
-          </a:effectRef>
-          <a:fontRef idx="minor">
-            <a:schemeClr val="dk1"/>
-          </a:fontRef>
-        </p:style>
-        <p:txBody>
-          <a:bodyPr rtlCol="0" anchor="ctr"/>
-          <a:lstStyle/>
-          <a:p>
-            <a:pPr algn="ctr"/>
-            <a:r>
-              <a:rPr lang="en-US" sz="900" dirty="0">
-                <a:latin typeface="Courier New" panose="02070309020205020404" pitchFamily="49" charset="0"/>
-                <a:cs typeface="Courier New" panose="02070309020205020404" pitchFamily="49" charset="0"/>
-              </a:rPr>
-              <a:t>Submit Required Documents</a:t>
-            </a:r>
-          </a:p>
-        </p:txBody>
-      </p:sp>
-      <p:sp>
-        <p:nvSpPr>
-          <p:cNvPr id="11" name="Oval 10">
-            <a:extLst>
-              <a:ext uri="{FF2B5EF4-FFF2-40B4-BE49-F238E27FC236}">
-                <a16:creationId xmlns:a16="http://schemas.microsoft.com/office/drawing/2014/main" id="{426AA7E7-EDB6-E490-747B-6CA3E80A2AF3}"/>
-              </a:ext>
-            </a:extLst>
-          </p:cNvPr>
-          <p:cNvSpPr/>
-          <p:nvPr/>
-        </p:nvSpPr>
-        <p:spPr>
-          <a:xfrm>
-            <a:off x="1460536" y="6102397"/>
-            <a:ext cx="1329911" cy="494592"/>
-          </a:xfrm>
-          <a:prstGeom prst="ellipse">
-            <a:avLst/>
-          </a:prstGeom>
-          <a:ln w="9525"/>
-        </p:spPr>
-        <p:style>
-          <a:lnRef idx="2">
-            <a:schemeClr val="dk1"/>
-          </a:lnRef>
-          <a:fillRef idx="1">
-            <a:schemeClr val="lt1"/>
-          </a:fillRef>
-          <a:effectRef idx="0">
-            <a:schemeClr val="dk1"/>
-          </a:effectRef>
-          <a:fontRef idx="minor">
-            <a:schemeClr val="dk1"/>
-          </a:fontRef>
-        </p:style>
-        <p:txBody>
-          <a:bodyPr rtlCol="0" anchor="ctr"/>
-          <a:lstStyle/>
-          <a:p>
-            <a:pPr algn="ctr"/>
-            <a:r>
-              <a:rPr lang="en-US" sz="900" dirty="0">
-                <a:latin typeface="Courier New" panose="02070309020205020404" pitchFamily="49" charset="0"/>
-                <a:cs typeface="Courier New" panose="02070309020205020404" pitchFamily="49" charset="0"/>
-              </a:rPr>
-              <a:t>Track Application</a:t>
-            </a:r>
-          </a:p>
-        </p:txBody>
-      </p:sp>
-      <p:sp>
-        <p:nvSpPr>
-          <p:cNvPr id="13" name="Oval 12">
-            <a:extLst>
-              <a:ext uri="{FF2B5EF4-FFF2-40B4-BE49-F238E27FC236}">
-                <a16:creationId xmlns:a16="http://schemas.microsoft.com/office/drawing/2014/main" id="{9C61A526-58EE-0A69-190E-B8D8740E271D}"/>
-              </a:ext>
-            </a:extLst>
-          </p:cNvPr>
-          <p:cNvSpPr/>
-          <p:nvPr/>
-        </p:nvSpPr>
-        <p:spPr>
-          <a:xfrm>
-            <a:off x="5343843" y="5334709"/>
-            <a:ext cx="1213803" cy="494592"/>
-          </a:xfrm>
-          <a:prstGeom prst="ellipse">
-            <a:avLst/>
-          </a:prstGeom>
-          <a:ln w="9525"/>
-        </p:spPr>
-        <p:style>
-          <a:lnRef idx="2">
-            <a:schemeClr val="dk1"/>
-          </a:lnRef>
-          <a:fillRef idx="1">
-            <a:schemeClr val="lt1"/>
-          </a:fillRef>
-          <a:effectRef idx="0">
-            <a:schemeClr val="dk1"/>
-          </a:effectRef>
-          <a:fontRef idx="minor">
-            <a:schemeClr val="dk1"/>
-          </a:fontRef>
-        </p:style>
-        <p:txBody>
-          <a:bodyPr rtlCol="0" anchor="ctr"/>
-          <a:lstStyle/>
-          <a:p>
-            <a:pPr algn="ctr"/>
-            <a:r>
-              <a:rPr lang="en-US" sz="900" dirty="0">
-                <a:latin typeface="Courier New" panose="02070309020205020404" pitchFamily="49" charset="0"/>
-                <a:cs typeface="Courier New" panose="02070309020205020404" pitchFamily="49" charset="0"/>
-              </a:rPr>
-              <a:t>Communication</a:t>
-            </a:r>
-          </a:p>
-        </p:txBody>
-      </p:sp>
-      <p:sp>
-        <p:nvSpPr>
-          <p:cNvPr id="14" name="Oval 13">
-            <a:extLst>
-              <a:ext uri="{FF2B5EF4-FFF2-40B4-BE49-F238E27FC236}">
-                <a16:creationId xmlns:a16="http://schemas.microsoft.com/office/drawing/2014/main" id="{FDA64FFB-C19C-D7AD-9687-3E1D1C837C5D}"/>
-              </a:ext>
-            </a:extLst>
-          </p:cNvPr>
-          <p:cNvSpPr/>
-          <p:nvPr/>
-        </p:nvSpPr>
-        <p:spPr>
-          <a:xfrm>
-            <a:off x="1518589" y="6652485"/>
-            <a:ext cx="1213803" cy="494592"/>
-          </a:xfrm>
-          <a:prstGeom prst="ellipse">
-            <a:avLst/>
-          </a:prstGeom>
-          <a:ln w="9525"/>
-        </p:spPr>
-        <p:style>
-          <a:lnRef idx="2">
-            <a:schemeClr val="dk1"/>
-          </a:lnRef>
-          <a:fillRef idx="1">
-            <a:schemeClr val="lt1"/>
-          </a:fillRef>
-          <a:effectRef idx="0">
-            <a:schemeClr val="dk1"/>
-          </a:effectRef>
-          <a:fontRef idx="minor">
-            <a:schemeClr val="dk1"/>
-          </a:fontRef>
-        </p:style>
-        <p:txBody>
-          <a:bodyPr rtlCol="0" anchor="ctr"/>
-          <a:lstStyle/>
-          <a:p>
-            <a:pPr algn="ctr"/>
-            <a:r>
-              <a:rPr lang="en-US" sz="900" dirty="0">
-                <a:latin typeface="Courier New" panose="02070309020205020404" pitchFamily="49" charset="0"/>
-                <a:cs typeface="Courier New" panose="02070309020205020404" pitchFamily="49" charset="0"/>
-              </a:rPr>
-              <a:t>Communication</a:t>
-            </a:r>
-          </a:p>
-        </p:txBody>
-      </p:sp>
-      <p:sp>
-        <p:nvSpPr>
-          <p:cNvPr id="15" name="Oval 14">
-            <a:extLst>
-              <a:ext uri="{FF2B5EF4-FFF2-40B4-BE49-F238E27FC236}">
-                <a16:creationId xmlns:a16="http://schemas.microsoft.com/office/drawing/2014/main" id="{E32AF6D1-04BA-8CDA-DFC4-92923ED5C757}"/>
-              </a:ext>
-            </a:extLst>
-          </p:cNvPr>
-          <p:cNvSpPr/>
-          <p:nvPr/>
-        </p:nvSpPr>
-        <p:spPr>
-          <a:xfrm>
-            <a:off x="-221692" y="6173087"/>
-            <a:ext cx="1329911" cy="590408"/>
-          </a:xfrm>
-          <a:prstGeom prst="ellipse">
-            <a:avLst/>
-          </a:prstGeom>
-          <a:noFill/>
-          <a:ln w="9525">
-            <a:noFill/>
-          </a:ln>
-        </p:spPr>
-        <p:style>
-          <a:lnRef idx="2">
-            <a:schemeClr val="dk1"/>
-          </a:lnRef>
-          <a:fillRef idx="1">
-            <a:schemeClr val="lt1"/>
-          </a:fillRef>
-          <a:effectRef idx="0">
-            <a:schemeClr val="dk1"/>
-          </a:effectRef>
-          <a:fontRef idx="minor">
-            <a:schemeClr val="dk1"/>
-          </a:fontRef>
-        </p:style>
-        <p:txBody>
-          <a:bodyPr rtlCol="0" anchor="ctr"/>
-          <a:lstStyle/>
-          <a:p>
-            <a:pPr algn="ctr"/>
-            <a:r>
-              <a:rPr lang="en-US" sz="1100" b="1" dirty="0">
-                <a:latin typeface="Courier New" panose="02070309020205020404" pitchFamily="49" charset="0"/>
-                <a:cs typeface="Courier New" panose="02070309020205020404" pitchFamily="49" charset="0"/>
-              </a:rPr>
-              <a:t>CLIENT</a:t>
-            </a:r>
-          </a:p>
-        </p:txBody>
-      </p:sp>
-      <p:sp>
-        <p:nvSpPr>
-          <p:cNvPr id="16" name="Oval 15">
-            <a:extLst>
-              <a:ext uri="{FF2B5EF4-FFF2-40B4-BE49-F238E27FC236}">
-                <a16:creationId xmlns:a16="http://schemas.microsoft.com/office/drawing/2014/main" id="{261F6A28-485F-EB3C-8EE5-84C4A9D3A36B}"/>
-              </a:ext>
-            </a:extLst>
-          </p:cNvPr>
-          <p:cNvSpPr/>
-          <p:nvPr/>
-        </p:nvSpPr>
-        <p:spPr>
-          <a:xfrm>
-            <a:off x="684638" y="5829301"/>
-            <a:ext cx="45719" cy="65404"/>
-          </a:xfrm>
-          <a:prstGeom prst="ellipse">
+          <a:xfrm rot="1825726">
+            <a:off x="4031632" y="4910584"/>
+            <a:ext cx="932688" cy="283464"/>
+          </a:xfrm>
+          <a:prstGeom prst="rect">
             <a:avLst/>
           </a:prstGeom>
           <a:noFill/>
@@ -3489,257 +4130,23 @@
           <a:lstStyle/>
           <a:p>
             <a:pPr algn="ctr"/>
-            <a:endParaRPr lang="en-US"/>
-          </a:p>
-        </p:txBody>
-      </p:sp>
-      <p:cxnSp>
-        <p:nvCxnSpPr>
-          <p:cNvPr id="18" name="Straight Connector 17">
+            <a:r>
+              <a:rPr lang="en-US" sz="900" dirty="0">
+                <a:solidFill>
+                  <a:schemeClr val="tx1"/>
+                </a:solidFill>
+              </a:rPr>
+              <a:t>&lt;&lt; include &gt;&gt;</a:t>
+            </a:r>
+          </a:p>
+        </p:txBody>
+      </p:sp>
+      <p:sp>
+        <p:nvSpPr>
+          <p:cNvPr id="69" name="Rectangle 68">
             <a:extLst>
               <a:ext uri="{FF2B5EF4-FFF2-40B4-BE49-F238E27FC236}">
-                <a16:creationId xmlns:a16="http://schemas.microsoft.com/office/drawing/2014/main" id="{09637689-A488-149D-A269-B1CE633B7267}"/>
-              </a:ext>
-            </a:extLst>
-          </p:cNvPr>
-          <p:cNvCxnSpPr>
-            <a:cxnSpLocks/>
-            <a:stCxn id="8" idx="3"/>
-            <a:endCxn id="9" idx="2"/>
-          </p:cNvCxnSpPr>
-          <p:nvPr/>
-        </p:nvCxnSpPr>
-        <p:spPr>
-          <a:xfrm flipV="1">
-            <a:off x="684638" y="5189199"/>
-            <a:ext cx="800777" cy="601366"/>
-          </a:xfrm>
-          <a:prstGeom prst="line">
-            <a:avLst/>
-          </a:prstGeom>
-        </p:spPr>
-        <p:style>
-          <a:lnRef idx="1">
-            <a:schemeClr val="dk1"/>
-          </a:lnRef>
-          <a:fillRef idx="0">
-            <a:schemeClr val="dk1"/>
-          </a:fillRef>
-          <a:effectRef idx="0">
-            <a:schemeClr val="dk1"/>
-          </a:effectRef>
-          <a:fontRef idx="minor">
-            <a:schemeClr val="tx1"/>
-          </a:fontRef>
-        </p:style>
-      </p:cxnSp>
-      <p:cxnSp>
-        <p:nvCxnSpPr>
-          <p:cNvPr id="20" name="Straight Connector 19">
-            <a:extLst>
-              <a:ext uri="{FF2B5EF4-FFF2-40B4-BE49-F238E27FC236}">
-                <a16:creationId xmlns:a16="http://schemas.microsoft.com/office/drawing/2014/main" id="{7511189A-F42D-2CB3-C957-963C7F542ED9}"/>
-              </a:ext>
-            </a:extLst>
-          </p:cNvPr>
-          <p:cNvCxnSpPr>
-            <a:cxnSpLocks/>
-            <a:stCxn id="8" idx="3"/>
-            <a:endCxn id="10" idx="2"/>
-          </p:cNvCxnSpPr>
-          <p:nvPr/>
-        </p:nvCxnSpPr>
-        <p:spPr>
-          <a:xfrm flipV="1">
-            <a:off x="684638" y="5764365"/>
-            <a:ext cx="775900" cy="26200"/>
-          </a:xfrm>
-          <a:prstGeom prst="line">
-            <a:avLst/>
-          </a:prstGeom>
-        </p:spPr>
-        <p:style>
-          <a:lnRef idx="1">
-            <a:schemeClr val="dk1"/>
-          </a:lnRef>
-          <a:fillRef idx="0">
-            <a:schemeClr val="dk1"/>
-          </a:fillRef>
-          <a:effectRef idx="0">
-            <a:schemeClr val="dk1"/>
-          </a:effectRef>
-          <a:fontRef idx="minor">
-            <a:schemeClr val="tx1"/>
-          </a:fontRef>
-        </p:style>
-      </p:cxnSp>
-      <p:cxnSp>
-        <p:nvCxnSpPr>
-          <p:cNvPr id="25" name="Straight Connector 24">
-            <a:extLst>
-              <a:ext uri="{FF2B5EF4-FFF2-40B4-BE49-F238E27FC236}">
-                <a16:creationId xmlns:a16="http://schemas.microsoft.com/office/drawing/2014/main" id="{3BBE93F6-E2A7-2729-6A87-08A02C2C2E42}"/>
-              </a:ext>
-            </a:extLst>
-          </p:cNvPr>
-          <p:cNvCxnSpPr>
-            <a:cxnSpLocks/>
-            <a:endCxn id="11" idx="2"/>
-          </p:cNvCxnSpPr>
-          <p:nvPr/>
-        </p:nvCxnSpPr>
-        <p:spPr>
-          <a:xfrm>
-            <a:off x="684636" y="5790565"/>
-            <a:ext cx="775900" cy="559128"/>
-          </a:xfrm>
-          <a:prstGeom prst="line">
-            <a:avLst/>
-          </a:prstGeom>
-        </p:spPr>
-        <p:style>
-          <a:lnRef idx="1">
-            <a:schemeClr val="dk1"/>
-          </a:lnRef>
-          <a:fillRef idx="0">
-            <a:schemeClr val="dk1"/>
-          </a:fillRef>
-          <a:effectRef idx="0">
-            <a:schemeClr val="dk1"/>
-          </a:effectRef>
-          <a:fontRef idx="minor">
-            <a:schemeClr val="tx1"/>
-          </a:fontRef>
-        </p:style>
-      </p:cxnSp>
-      <p:cxnSp>
-        <p:nvCxnSpPr>
-          <p:cNvPr id="28" name="Straight Connector 27">
-            <a:extLst>
-              <a:ext uri="{FF2B5EF4-FFF2-40B4-BE49-F238E27FC236}">
-                <a16:creationId xmlns:a16="http://schemas.microsoft.com/office/drawing/2014/main" id="{48AAC2EE-A3EB-B17F-6179-53EF7317350D}"/>
-              </a:ext>
-            </a:extLst>
-          </p:cNvPr>
-          <p:cNvCxnSpPr>
-            <a:cxnSpLocks/>
-            <a:stCxn id="8" idx="3"/>
-            <a:endCxn id="14" idx="2"/>
-          </p:cNvCxnSpPr>
-          <p:nvPr/>
-        </p:nvCxnSpPr>
-        <p:spPr>
-          <a:xfrm>
-            <a:off x="684638" y="5790565"/>
-            <a:ext cx="833951" cy="1109216"/>
-          </a:xfrm>
-          <a:prstGeom prst="line">
-            <a:avLst/>
-          </a:prstGeom>
-        </p:spPr>
-        <p:style>
-          <a:lnRef idx="1">
-            <a:schemeClr val="dk1"/>
-          </a:lnRef>
-          <a:fillRef idx="0">
-            <a:schemeClr val="dk1"/>
-          </a:fillRef>
-          <a:effectRef idx="0">
-            <a:schemeClr val="dk1"/>
-          </a:effectRef>
-          <a:fontRef idx="minor">
-            <a:schemeClr val="tx1"/>
-          </a:fontRef>
-        </p:style>
-      </p:cxnSp>
-      <p:cxnSp>
-        <p:nvCxnSpPr>
-          <p:cNvPr id="31" name="Straight Connector 30">
-            <a:extLst>
-              <a:ext uri="{FF2B5EF4-FFF2-40B4-BE49-F238E27FC236}">
-                <a16:creationId xmlns:a16="http://schemas.microsoft.com/office/drawing/2014/main" id="{4900F6E2-2C5D-308D-19F2-82FC3558FF37}"/>
-              </a:ext>
-            </a:extLst>
-          </p:cNvPr>
-          <p:cNvCxnSpPr>
-            <a:cxnSpLocks/>
-            <a:stCxn id="13" idx="6"/>
-          </p:cNvCxnSpPr>
-          <p:nvPr/>
-        </p:nvCxnSpPr>
-        <p:spPr>
-          <a:xfrm flipV="1">
-            <a:off x="6557646" y="4541520"/>
-            <a:ext cx="965093" cy="1040485"/>
-          </a:xfrm>
-          <a:prstGeom prst="line">
-            <a:avLst/>
-          </a:prstGeom>
-        </p:spPr>
-        <p:style>
-          <a:lnRef idx="1">
-            <a:schemeClr val="dk1"/>
-          </a:lnRef>
-          <a:fillRef idx="0">
-            <a:schemeClr val="dk1"/>
-          </a:fillRef>
-          <a:effectRef idx="0">
-            <a:schemeClr val="dk1"/>
-          </a:effectRef>
-          <a:fontRef idx="minor">
-            <a:schemeClr val="tx1"/>
-          </a:fontRef>
-        </p:style>
-      </p:cxnSp>
-      <p:cxnSp>
-        <p:nvCxnSpPr>
-          <p:cNvPr id="36" name="Straight Connector 35">
-            <a:extLst>
-              <a:ext uri="{FF2B5EF4-FFF2-40B4-BE49-F238E27FC236}">
-                <a16:creationId xmlns:a16="http://schemas.microsoft.com/office/drawing/2014/main" id="{E109D2DF-04E2-E82F-C365-B66C809157D3}"/>
-              </a:ext>
-            </a:extLst>
-          </p:cNvPr>
-          <p:cNvCxnSpPr>
-            <a:cxnSpLocks/>
-            <a:stCxn id="13" idx="2"/>
-            <a:endCxn id="14" idx="6"/>
-          </p:cNvCxnSpPr>
-          <p:nvPr/>
-        </p:nvCxnSpPr>
-        <p:spPr>
-          <a:xfrm flipH="1">
-            <a:off x="2732392" y="5582005"/>
-            <a:ext cx="2611451" cy="1317776"/>
-          </a:xfrm>
-          <a:prstGeom prst="line">
-            <a:avLst/>
-          </a:prstGeom>
-          <a:ln w="15875">
-            <a:prstDash val="dash"/>
-          </a:ln>
-        </p:spPr>
-        <p:style>
-          <a:lnRef idx="1">
-            <a:schemeClr val="dk1"/>
-          </a:lnRef>
-          <a:fillRef idx="0">
-            <a:schemeClr val="dk1"/>
-          </a:fillRef>
-          <a:effectRef idx="0">
-            <a:schemeClr val="dk1"/>
-          </a:effectRef>
-          <a:fontRef idx="minor">
-            <a:schemeClr val="tx1"/>
-          </a:fontRef>
-        </p:style>
-      </p:cxnSp>
-      <p:sp>
-        <p:nvSpPr>
-          <p:cNvPr id="39" name="Oval 38">
-            <a:extLst>
-              <a:ext uri="{FF2B5EF4-FFF2-40B4-BE49-F238E27FC236}">
-                <a16:creationId xmlns:a16="http://schemas.microsoft.com/office/drawing/2014/main" id="{1EBD583B-18AE-63DA-ADA7-A9FE8BC487D5}"/>
+                <a16:creationId xmlns:a16="http://schemas.microsoft.com/office/drawing/2014/main" id="{B84DB001-44F1-EAC7-EE88-A071889911BB}"/>
               </a:ext>
             </a:extLst>
           </p:cNvPr>
@@ -3747,30 +4154,32 @@
           <p:nvPr/>
         </p:nvSpPr>
         <p:spPr>
-          <a:xfrm rot="19891749">
-            <a:off x="3156462" y="5818753"/>
-            <a:ext cx="1623549" cy="590408"/>
-          </a:xfrm>
-          <a:prstGeom prst="ellipse">
+          <a:xfrm rot="20751340">
+            <a:off x="3705351" y="3701486"/>
+            <a:ext cx="932688" cy="283464"/>
+          </a:xfrm>
+          <a:prstGeom prst="rect">
             <a:avLst/>
           </a:prstGeom>
           <a:noFill/>
-          <a:ln w="9525">
+          <a:ln>
             <a:noFill/>
           </a:ln>
         </p:spPr>
         <p:style>
           <a:lnRef idx="2">
-            <a:schemeClr val="dk1"/>
+            <a:schemeClr val="accent1">
+              <a:shade val="15000"/>
+            </a:schemeClr>
           </a:lnRef>
           <a:fillRef idx="1">
-            <a:schemeClr val="lt1"/>
+            <a:schemeClr val="accent1"/>
           </a:fillRef>
           <a:effectRef idx="0">
-            <a:schemeClr val="dk1"/>
+            <a:schemeClr val="accent1"/>
           </a:effectRef>
           <a:fontRef idx="minor">
-            <a:schemeClr val="dk1"/>
+            <a:schemeClr val="lt1"/>
           </a:fontRef>
         </p:style>
         <p:txBody>
@@ -3780,10 +4189,11 @@
             <a:pPr algn="ctr"/>
             <a:r>
               <a:rPr lang="en-US" sz="900" dirty="0">
-                <a:latin typeface="Courier New" panose="02070309020205020404" pitchFamily="49" charset="0"/>
-                <a:cs typeface="Courier New" panose="02070309020205020404" pitchFamily="49" charset="0"/>
+                <a:solidFill>
+                  <a:schemeClr val="tx1"/>
+                </a:solidFill>
               </a:rPr>
-              <a:t>&lt;&lt; extend &gt;&gt;</a:t>
+              <a:t>&lt;&lt; include &gt;&gt;</a:t>
             </a:r>
           </a:p>
         </p:txBody>
@@ -3791,7 +4201,7 @@
     </p:spTree>
     <p:extLst>
       <p:ext uri="{BB962C8B-B14F-4D97-AF65-F5344CB8AC3E}">
-        <p14:creationId xmlns:p14="http://schemas.microsoft.com/office/powerpoint/2010/main" val="238765499"/>
+        <p14:creationId xmlns:p14="http://schemas.microsoft.com/office/powerpoint/2010/main" val="3564895025"/>
       </p:ext>
     </p:extLst>
   </p:cSld>
